--- a/document/朕为你打下江山.pptx
+++ b/document/朕为你打下江山.pptx
@@ -107,6 +107,11 @@
       </a:defRPr>
     </a:lvl9pPr>
   </p:defaultTextStyle>
+  <p:extLst>
+    <p:ext uri="{EFAFB233-063F-42B5-8137-9DF3F51BA10A}">
+      <p15:sldGuideLst xmlns:p15="http://schemas.microsoft.com/office/powerpoint/2012/main"/>
+    </p:ext>
+  </p:extLst>
 </p:presentation>
 </file>
 
@@ -2458,10 +2463,10 @@
           <a:lstStyle/>
           <a:p>
             <a:r>
-              <a:rPr lang="zh-CN" altLang="en-US" smtClean="0"/>
+              <a:rPr lang="zh-CN" altLang="en-US" dirty="0" smtClean="0"/>
               <a:t>单击此处编辑母版标题样式</a:t>
             </a:r>
-            <a:endParaRPr lang="zh-CN" altLang="en-US"/>
+            <a:endParaRPr lang="zh-CN" altLang="en-US" dirty="0"/>
           </a:p>
         </p:txBody>
       </p:sp>
@@ -2492,38 +2497,38 @@
           <a:p>
             <a:pPr lvl="0"/>
             <a:r>
-              <a:rPr lang="zh-CN" altLang="en-US" smtClean="0"/>
+              <a:rPr lang="zh-CN" altLang="en-US" dirty="0" smtClean="0"/>
               <a:t>单击此处编辑母版文本样式</a:t>
             </a:r>
           </a:p>
           <a:p>
             <a:pPr lvl="1"/>
             <a:r>
-              <a:rPr lang="zh-CN" altLang="en-US" smtClean="0"/>
+              <a:rPr lang="zh-CN" altLang="en-US" dirty="0" smtClean="0"/>
               <a:t>第二级</a:t>
             </a:r>
           </a:p>
           <a:p>
             <a:pPr lvl="2"/>
             <a:r>
-              <a:rPr lang="zh-CN" altLang="en-US" smtClean="0"/>
+              <a:rPr lang="zh-CN" altLang="en-US" dirty="0" smtClean="0"/>
               <a:t>第三级</a:t>
             </a:r>
           </a:p>
           <a:p>
             <a:pPr lvl="3"/>
             <a:r>
-              <a:rPr lang="zh-CN" altLang="en-US" smtClean="0"/>
+              <a:rPr lang="zh-CN" altLang="en-US" dirty="0" smtClean="0"/>
               <a:t>第四级</a:t>
             </a:r>
           </a:p>
           <a:p>
             <a:pPr lvl="4"/>
             <a:r>
-              <a:rPr lang="zh-CN" altLang="en-US" smtClean="0"/>
+              <a:rPr lang="zh-CN" altLang="en-US" dirty="0" smtClean="0"/>
               <a:t>第五级</a:t>
             </a:r>
-            <a:endParaRPr lang="zh-CN" altLang="en-US"/>
+            <a:endParaRPr lang="zh-CN" altLang="en-US" dirty="0"/>
           </a:p>
         </p:txBody>
       </p:sp>
@@ -2556,15 +2561,17 @@
                     <a:tint val="75000"/>
                   </a:schemeClr>
                 </a:solidFill>
+                <a:ea typeface="微软雅黑" panose="020B0503020204020204" pitchFamily="34" charset="-122"/>
               </a:defRPr>
             </a:lvl1pPr>
           </a:lstStyle>
           <a:p>
             <a:fld id="{5189DF84-E4EE-4AED-A91A-A2874B4FA724}" type="datetimeFigureOut">
               <a:rPr lang="zh-CN" altLang="en-US" smtClean="0"/>
+              <a:pPr/>
               <a:t>2019/10/28</a:t>
             </a:fld>
-            <a:endParaRPr lang="zh-CN" altLang="en-US"/>
+            <a:endParaRPr lang="zh-CN" altLang="en-US" dirty="0"/>
           </a:p>
         </p:txBody>
       </p:sp>
@@ -2597,11 +2604,12 @@
                     <a:tint val="75000"/>
                   </a:schemeClr>
                 </a:solidFill>
+                <a:ea typeface="微软雅黑" panose="020B0503020204020204" pitchFamily="34" charset="-122"/>
               </a:defRPr>
             </a:lvl1pPr>
           </a:lstStyle>
           <a:p>
-            <a:endParaRPr lang="zh-CN" altLang="en-US"/>
+            <a:endParaRPr lang="zh-CN" altLang="en-US" dirty="0"/>
           </a:p>
         </p:txBody>
       </p:sp>
@@ -2634,15 +2642,17 @@
                     <a:tint val="75000"/>
                   </a:schemeClr>
                 </a:solidFill>
+                <a:ea typeface="微软雅黑" panose="020B0503020204020204" pitchFamily="34" charset="-122"/>
               </a:defRPr>
             </a:lvl1pPr>
           </a:lstStyle>
           <a:p>
             <a:fld id="{FEEC0A20-C2FA-4A18-91C7-20A9CDD42301}" type="slidenum">
               <a:rPr lang="zh-CN" altLang="en-US" smtClean="0"/>
+              <a:pPr/>
               <a:t>‹#›</a:t>
             </a:fld>
-            <a:endParaRPr lang="zh-CN" altLang="en-US"/>
+            <a:endParaRPr lang="zh-CN" altLang="en-US" dirty="0"/>
           </a:p>
         </p:txBody>
       </p:sp>
@@ -2682,7 +2692,7 @@
             <a:schemeClr val="tx1"/>
           </a:solidFill>
           <a:latin typeface="+mj-lt"/>
-          <a:ea typeface="+mj-ea"/>
+          <a:ea typeface="微软雅黑" panose="020B0503020204020204" pitchFamily="34" charset="-122"/>
           <a:cs typeface="+mj-cs"/>
         </a:defRPr>
       </a:lvl1pPr>
@@ -2702,7 +2712,7 @@
             <a:schemeClr val="tx1"/>
           </a:solidFill>
           <a:latin typeface="+mn-lt"/>
-          <a:ea typeface="+mn-ea"/>
+          <a:ea typeface="微软雅黑" panose="020B0503020204020204" pitchFamily="34" charset="-122"/>
           <a:cs typeface="+mn-cs"/>
         </a:defRPr>
       </a:lvl1pPr>
@@ -2720,7 +2730,7 @@
             <a:schemeClr val="tx1"/>
           </a:solidFill>
           <a:latin typeface="+mn-lt"/>
-          <a:ea typeface="+mn-ea"/>
+          <a:ea typeface="微软雅黑" panose="020B0503020204020204" pitchFamily="34" charset="-122"/>
           <a:cs typeface="+mn-cs"/>
         </a:defRPr>
       </a:lvl2pPr>
@@ -2738,7 +2748,7 @@
             <a:schemeClr val="tx1"/>
           </a:solidFill>
           <a:latin typeface="+mn-lt"/>
-          <a:ea typeface="+mn-ea"/>
+          <a:ea typeface="微软雅黑" panose="020B0503020204020204" pitchFamily="34" charset="-122"/>
           <a:cs typeface="+mn-cs"/>
         </a:defRPr>
       </a:lvl3pPr>
@@ -2756,7 +2766,7 @@
             <a:schemeClr val="tx1"/>
           </a:solidFill>
           <a:latin typeface="+mn-lt"/>
-          <a:ea typeface="+mn-ea"/>
+          <a:ea typeface="微软雅黑" panose="020B0503020204020204" pitchFamily="34" charset="-122"/>
           <a:cs typeface="+mn-cs"/>
         </a:defRPr>
       </a:lvl4pPr>
@@ -2774,7 +2784,7 @@
             <a:schemeClr val="tx1"/>
           </a:solidFill>
           <a:latin typeface="+mn-lt"/>
-          <a:ea typeface="+mn-ea"/>
+          <a:ea typeface="微软雅黑" panose="020B0503020204020204" pitchFamily="34" charset="-122"/>
           <a:cs typeface="+mn-cs"/>
         </a:defRPr>
       </a:lvl5pPr>
@@ -2983,11 +2993,17 @@
           <a:lstStyle/>
           <a:p>
             <a:r>
-              <a:rPr lang="zh-CN" altLang="en-US" dirty="0" smtClean="0"/>
+              <a:rPr lang="zh-CN" altLang="en-US" dirty="0" smtClean="0">
+                <a:latin typeface="微软雅黑" panose="020B0503020204020204" pitchFamily="34" charset="-122"/>
+                <a:ea typeface="微软雅黑" panose="020B0503020204020204" pitchFamily="34" charset="-122"/>
+              </a:rPr>
               <a:t>爆破限制</a:t>
             </a:r>
             <a:r>
-              <a:rPr lang="zh-CN" altLang="en-US" dirty="0"/>
+              <a:rPr lang="zh-CN" altLang="en-US" dirty="0">
+                <a:latin typeface="微软雅黑" panose="020B0503020204020204" pitchFamily="34" charset="-122"/>
+                <a:ea typeface="微软雅黑" panose="020B0503020204020204" pitchFamily="34" charset="-122"/>
+              </a:rPr>
               <a:t>绕过</a:t>
             </a:r>
           </a:p>
@@ -3009,10 +3025,16 @@
           <a:lstStyle/>
           <a:p>
             <a:r>
-              <a:rPr lang="zh-CN" altLang="en-US" dirty="0" smtClean="0"/>
+              <a:rPr lang="zh-CN" altLang="en-US" dirty="0" smtClean="0">
+                <a:latin typeface="微软雅黑" panose="020B0503020204020204" pitchFamily="34" charset="-122"/>
+                <a:ea typeface="微软雅黑" panose="020B0503020204020204" pitchFamily="34" charset="-122"/>
+              </a:rPr>
               <a:t>朕为你打下江山 组</a:t>
             </a:r>
-            <a:endParaRPr lang="zh-CN" altLang="en-US" dirty="0"/>
+            <a:endParaRPr lang="zh-CN" altLang="en-US" dirty="0">
+              <a:latin typeface="微软雅黑" panose="020B0503020204020204" pitchFamily="34" charset="-122"/>
+              <a:ea typeface="微软雅黑" panose="020B0503020204020204" pitchFamily="34" charset="-122"/>
+            </a:endParaRPr>
           </a:p>
         </p:txBody>
       </p:sp>
@@ -3113,10 +3135,14 @@
           <a:p>
             <a:pPr algn="ctr"/>
             <a:r>
-              <a:rPr lang="zh-CN" altLang="en-US" dirty="0" smtClean="0"/>
+              <a:rPr lang="zh-CN" altLang="en-US" dirty="0" smtClean="0">
+                <a:ea typeface="微软雅黑" panose="020B0503020204020204" pitchFamily="34" charset="-122"/>
+              </a:rPr>
               <a:t>写分工</a:t>
             </a:r>
-            <a:endParaRPr lang="zh-CN" altLang="en-US" dirty="0"/>
+            <a:endParaRPr lang="zh-CN" altLang="en-US" dirty="0">
+              <a:ea typeface="微软雅黑" panose="020B0503020204020204" pitchFamily="34" charset="-122"/>
+            </a:endParaRPr>
           </a:p>
         </p:txBody>
       </p:sp>
@@ -3231,13 +3257,15 @@
             </a:pPr>
             <a:r>
               <a:rPr lang="zh-CN" altLang="en-US" sz="2800" dirty="0" smtClean="0">
-                <a:latin typeface="+mn-ea"/>
+                <a:latin typeface="微软雅黑" panose="020B0503020204020204" pitchFamily="34" charset="-122"/>
+                <a:ea typeface="微软雅黑" panose="020B0503020204020204" pitchFamily="34" charset="-122"/>
                 <a:hlinkClick r:id="rId2" action="ppaction://hlinkpres?slideindex=1&amp;slidetitle="/>
               </a:rPr>
               <a:t>验证码绕过技术原理</a:t>
             </a:r>
             <a:endParaRPr lang="en-US" altLang="zh-CN" sz="2800" dirty="0" smtClean="0">
-              <a:latin typeface="+mn-ea"/>
+              <a:latin typeface="微软雅黑" panose="020B0503020204020204" pitchFamily="34" charset="-122"/>
+              <a:ea typeface="微软雅黑" panose="020B0503020204020204" pitchFamily="34" charset="-122"/>
             </a:endParaRPr>
           </a:p>
           <a:p>
@@ -3246,62 +3274,86 @@
             </a:pPr>
             <a:r>
               <a:rPr lang="zh-CN" altLang="en-US" sz="2800" dirty="0">
+                <a:ea typeface="微软雅黑" panose="020B0503020204020204" pitchFamily="34" charset="-122"/>
                 <a:hlinkClick r:id="rId3" action="ppaction://hlinkpres?slideindex=1&amp;slidetitle="/>
               </a:rPr>
               <a:t>常见登录次数限制机制及绕过</a:t>
             </a:r>
             <a:r>
               <a:rPr lang="zh-CN" altLang="en-US" sz="2800" dirty="0" smtClean="0">
+                <a:ea typeface="微软雅黑" panose="020B0503020204020204" pitchFamily="34" charset="-122"/>
                 <a:hlinkClick r:id="rId3" action="ppaction://hlinkpres?slideindex=1&amp;slidetitle="/>
               </a:rPr>
               <a:t>方法</a:t>
             </a:r>
-            <a:endParaRPr lang="en-US" altLang="zh-CN" sz="2800" dirty="0" smtClean="0"/>
+            <a:endParaRPr lang="en-US" altLang="zh-CN" sz="2800" dirty="0" smtClean="0">
+              <a:ea typeface="微软雅黑" panose="020B0503020204020204" pitchFamily="34" charset="-122"/>
+            </a:endParaRPr>
           </a:p>
           <a:p>
             <a:pPr marL="514350" indent="-514350">
               <a:buAutoNum type="arabicPeriod"/>
             </a:pPr>
             <a:r>
-              <a:rPr lang="zh-CN" altLang="en-US" sz="2800" dirty="0"/>
+              <a:rPr lang="zh-CN" altLang="en-US" sz="2800" dirty="0">
+                <a:ea typeface="微软雅黑" panose="020B0503020204020204" pitchFamily="34" charset="-122"/>
+              </a:rPr>
               <a:t>代理池</a:t>
             </a:r>
             <a:r>
-              <a:rPr lang="zh-CN" altLang="en-US" sz="2800" dirty="0" smtClean="0"/>
+              <a:rPr lang="zh-CN" altLang="en-US" sz="2800" dirty="0" smtClean="0">
+                <a:ea typeface="微软雅黑" panose="020B0503020204020204" pitchFamily="34" charset="-122"/>
+              </a:rPr>
               <a:t>原理</a:t>
             </a:r>
-            <a:endParaRPr lang="en-US" altLang="zh-CN" sz="2800" dirty="0" smtClean="0"/>
+            <a:endParaRPr lang="en-US" altLang="zh-CN" sz="2800" dirty="0" smtClean="0">
+              <a:ea typeface="微软雅黑" panose="020B0503020204020204" pitchFamily="34" charset="-122"/>
+            </a:endParaRPr>
           </a:p>
           <a:p>
             <a:pPr marL="514350" indent="-514350">
               <a:buAutoNum type="arabicPeriod"/>
             </a:pPr>
             <a:r>
-              <a:rPr lang="zh-CN" altLang="en-US" sz="2800" dirty="0"/>
+              <a:rPr lang="zh-CN" altLang="en-US" sz="2800" dirty="0">
+                <a:ea typeface="微软雅黑" panose="020B0503020204020204" pitchFamily="34" charset="-122"/>
+              </a:rPr>
               <a:t>认证限速</a:t>
             </a:r>
             <a:r>
-              <a:rPr lang="zh-CN" altLang="en-US" sz="2800" dirty="0" smtClean="0"/>
+              <a:rPr lang="zh-CN" altLang="en-US" sz="2800" dirty="0" smtClean="0">
+                <a:ea typeface="微软雅黑" panose="020B0503020204020204" pitchFamily="34" charset="-122"/>
+              </a:rPr>
               <a:t>机制：</a:t>
             </a:r>
             <a:r>
-              <a:rPr lang="en-US" altLang="zh-CN" sz="2800" dirty="0" smtClean="0"/>
+              <a:rPr lang="en-US" altLang="zh-CN" sz="2800" dirty="0" smtClean="0">
+                <a:ea typeface="微软雅黑" panose="020B0503020204020204" pitchFamily="34" charset="-122"/>
+              </a:rPr>
               <a:t>A </a:t>
             </a:r>
             <a:r>
-              <a:rPr lang="en-US" altLang="zh-CN" sz="2800" dirty="0"/>
+              <a:rPr lang="en-US" altLang="zh-CN" sz="2800" dirty="0">
+                <a:ea typeface="微软雅黑" panose="020B0503020204020204" pitchFamily="34" charset="-122"/>
+              </a:rPr>
               <a:t>Measurement Study of Authentication </a:t>
             </a:r>
             <a:r>
-              <a:rPr lang="en-US" altLang="zh-CN" sz="2800" dirty="0" smtClean="0"/>
+              <a:rPr lang="en-US" altLang="zh-CN" sz="2800" dirty="0" smtClean="0">
+                <a:ea typeface="微软雅黑" panose="020B0503020204020204" pitchFamily="34" charset="-122"/>
+              </a:rPr>
               <a:t>Rate-</a:t>
             </a:r>
             <a:r>
-              <a:rPr lang="en-US" altLang="zh-CN" sz="2800" dirty="0"/>
+              <a:rPr lang="en-US" altLang="zh-CN" sz="2800" dirty="0">
+                <a:ea typeface="微软雅黑" panose="020B0503020204020204" pitchFamily="34" charset="-122"/>
+              </a:rPr>
               <a:t>Limiting Mechanisms of Modern </a:t>
             </a:r>
             <a:r>
-              <a:rPr lang="en-US" altLang="zh-CN" sz="2800" dirty="0" smtClean="0"/>
+              <a:rPr lang="en-US" altLang="zh-CN" sz="2800" dirty="0" smtClean="0">
+                <a:ea typeface="微软雅黑" panose="020B0503020204020204" pitchFamily="34" charset="-122"/>
+              </a:rPr>
               <a:t>Websites</a:t>
             </a:r>
           </a:p>
@@ -3310,23 +3362,33 @@
               <a:buAutoNum type="arabicPeriod"/>
             </a:pPr>
             <a:r>
-              <a:rPr lang="zh-CN" altLang="en-US" sz="2800" dirty="0" smtClean="0"/>
+              <a:rPr lang="zh-CN" altLang="en-US" sz="2800" dirty="0" smtClean="0">
+                <a:ea typeface="微软雅黑" panose="020B0503020204020204" pitchFamily="34" charset="-122"/>
+              </a:rPr>
               <a:t>定向口令猜解：</a:t>
             </a:r>
             <a:r>
-              <a:rPr lang="en-US" altLang="zh-CN" sz="2800" dirty="0"/>
+              <a:rPr lang="en-US" altLang="zh-CN" sz="2800" dirty="0">
+                <a:ea typeface="微软雅黑" panose="020B0503020204020204" pitchFamily="34" charset="-122"/>
+              </a:rPr>
               <a:t>Beyond Credential Stuffing: Password </a:t>
             </a:r>
             <a:r>
-              <a:rPr lang="en-US" altLang="zh-CN" sz="2800" dirty="0" smtClean="0"/>
+              <a:rPr lang="en-US" altLang="zh-CN" sz="2800" dirty="0" smtClean="0">
+                <a:ea typeface="微软雅黑" panose="020B0503020204020204" pitchFamily="34" charset="-122"/>
+              </a:rPr>
               <a:t>Similarity </a:t>
             </a:r>
             <a:r>
-              <a:rPr lang="en-US" altLang="zh-CN" sz="2800" dirty="0"/>
+              <a:rPr lang="en-US" altLang="zh-CN" sz="2800" dirty="0">
+                <a:ea typeface="微软雅黑" panose="020B0503020204020204" pitchFamily="34" charset="-122"/>
+              </a:rPr>
               <a:t>Models using Neural </a:t>
             </a:r>
             <a:r>
-              <a:rPr lang="en-US" altLang="zh-CN" sz="2800" dirty="0" smtClean="0"/>
+              <a:rPr lang="en-US" altLang="zh-CN" sz="2800" dirty="0" smtClean="0">
+                <a:ea typeface="微软雅黑" panose="020B0503020204020204" pitchFamily="34" charset="-122"/>
+              </a:rPr>
               <a:t>Networks</a:t>
             </a:r>
           </a:p>
@@ -3335,11 +3397,14 @@
               <a:buAutoNum type="arabicPeriod"/>
             </a:pPr>
             <a:r>
-              <a:rPr lang="en-US" altLang="zh-CN" sz="2800" dirty="0"/>
+              <a:rPr lang="en-US" altLang="zh-CN" sz="2800" dirty="0">
+                <a:ea typeface="微软雅黑" panose="020B0503020204020204" pitchFamily="34" charset="-122"/>
+              </a:rPr>
               <a:t>Reasoning Analytically About Password-Cracking Software</a:t>
             </a:r>
             <a:endParaRPr lang="zh-CN" altLang="en-US" sz="2800" dirty="0">
-              <a:latin typeface="+mn-ea"/>
+              <a:latin typeface="微软雅黑" panose="020B0503020204020204" pitchFamily="34" charset="-122"/>
+              <a:ea typeface="微软雅黑" panose="020B0503020204020204" pitchFamily="34" charset="-122"/>
             </a:endParaRPr>
           </a:p>
         </p:txBody>
@@ -3452,12 +3517,14 @@
           <a:p>
             <a:r>
               <a:rPr lang="zh-CN" altLang="en-US" sz="2800" dirty="0" smtClean="0">
-                <a:latin typeface="+mn-ea"/>
+                <a:latin typeface="微软雅黑" panose="020B0503020204020204" pitchFamily="34" charset="-122"/>
+                <a:ea typeface="微软雅黑" panose="020B0503020204020204" pitchFamily="34" charset="-122"/>
               </a:rPr>
               <a:t>写实现</a:t>
             </a:r>
             <a:endParaRPr lang="zh-CN" altLang="en-US" sz="2800" dirty="0">
-              <a:latin typeface="+mn-ea"/>
+              <a:latin typeface="微软雅黑" panose="020B0503020204020204" pitchFamily="34" charset="-122"/>
+              <a:ea typeface="微软雅黑" panose="020B0503020204020204" pitchFamily="34" charset="-122"/>
             </a:endParaRPr>
           </a:p>
         </p:txBody>

--- a/document/朕为你打下江山.pptx
+++ b/document/朕为你打下江山.pptx
@@ -3297,12 +3297,14 @@
             <a:r>
               <a:rPr lang="zh-CN" altLang="en-US" sz="2800" dirty="0">
                 <a:ea typeface="微软雅黑" panose="020B0503020204020204" pitchFamily="34" charset="-122"/>
+                <a:hlinkClick r:id="rId4" action="ppaction://hlinkpres?slideindex=1&amp;slidetitle="/>
               </a:rPr>
               <a:t>代理池</a:t>
             </a:r>
             <a:r>
               <a:rPr lang="zh-CN" altLang="en-US" sz="2800" dirty="0" smtClean="0">
                 <a:ea typeface="微软雅黑" panose="020B0503020204020204" pitchFamily="34" charset="-122"/>
+                <a:hlinkClick r:id="rId4" action="ppaction://hlinkpres?slideindex=1&amp;slidetitle="/>
               </a:rPr>
               <a:t>原理</a:t>
             </a:r>

--- a/document/朕为你打下江山.pptx
+++ b/document/朕为你打下江山.pptx
@@ -6,7 +6,7 @@
   </p:sldMasterIdLst>
   <p:sldIdLst>
     <p:sldId id="256" r:id="rId2"/>
-    <p:sldId id="257" r:id="rId3"/>
+    <p:sldId id="261" r:id="rId3"/>
     <p:sldId id="258" r:id="rId4"/>
     <p:sldId id="259" r:id="rId5"/>
   </p:sldIdLst>
@@ -246,7 +246,7 @@
           <a:p>
             <a:fld id="{5189DF84-E4EE-4AED-A91A-A2874B4FA724}" type="datetimeFigureOut">
               <a:rPr lang="zh-CN" altLang="en-US" smtClean="0"/>
-              <a:t>2019/10/28</a:t>
+              <a:t>2019/10/31</a:t>
             </a:fld>
             <a:endParaRPr lang="zh-CN" altLang="en-US"/>
           </a:p>
@@ -416,7 +416,7 @@
           <a:p>
             <a:fld id="{5189DF84-E4EE-4AED-A91A-A2874B4FA724}" type="datetimeFigureOut">
               <a:rPr lang="zh-CN" altLang="en-US" smtClean="0"/>
-              <a:t>2019/10/28</a:t>
+              <a:t>2019/10/31</a:t>
             </a:fld>
             <a:endParaRPr lang="zh-CN" altLang="en-US"/>
           </a:p>
@@ -596,7 +596,7 @@
           <a:p>
             <a:fld id="{5189DF84-E4EE-4AED-A91A-A2874B4FA724}" type="datetimeFigureOut">
               <a:rPr lang="zh-CN" altLang="en-US" smtClean="0"/>
-              <a:t>2019/10/28</a:t>
+              <a:t>2019/10/31</a:t>
             </a:fld>
             <a:endParaRPr lang="zh-CN" altLang="en-US"/>
           </a:p>
@@ -766,7 +766,7 @@
           <a:p>
             <a:fld id="{5189DF84-E4EE-4AED-A91A-A2874B4FA724}" type="datetimeFigureOut">
               <a:rPr lang="zh-CN" altLang="en-US" smtClean="0"/>
-              <a:t>2019/10/28</a:t>
+              <a:t>2019/10/31</a:t>
             </a:fld>
             <a:endParaRPr lang="zh-CN" altLang="en-US"/>
           </a:p>
@@ -1012,7 +1012,7 @@
           <a:p>
             <a:fld id="{5189DF84-E4EE-4AED-A91A-A2874B4FA724}" type="datetimeFigureOut">
               <a:rPr lang="zh-CN" altLang="en-US" smtClean="0"/>
-              <a:t>2019/10/28</a:t>
+              <a:t>2019/10/31</a:t>
             </a:fld>
             <a:endParaRPr lang="zh-CN" altLang="en-US"/>
           </a:p>
@@ -1244,7 +1244,7 @@
           <a:p>
             <a:fld id="{5189DF84-E4EE-4AED-A91A-A2874B4FA724}" type="datetimeFigureOut">
               <a:rPr lang="zh-CN" altLang="en-US" smtClean="0"/>
-              <a:t>2019/10/28</a:t>
+              <a:t>2019/10/31</a:t>
             </a:fld>
             <a:endParaRPr lang="zh-CN" altLang="en-US"/>
           </a:p>
@@ -1611,7 +1611,7 @@
           <a:p>
             <a:fld id="{5189DF84-E4EE-4AED-A91A-A2874B4FA724}" type="datetimeFigureOut">
               <a:rPr lang="zh-CN" altLang="en-US" smtClean="0"/>
-              <a:t>2019/10/28</a:t>
+              <a:t>2019/10/31</a:t>
             </a:fld>
             <a:endParaRPr lang="zh-CN" altLang="en-US"/>
           </a:p>
@@ -1729,7 +1729,7 @@
           <a:p>
             <a:fld id="{5189DF84-E4EE-4AED-A91A-A2874B4FA724}" type="datetimeFigureOut">
               <a:rPr lang="zh-CN" altLang="en-US" smtClean="0"/>
-              <a:t>2019/10/28</a:t>
+              <a:t>2019/10/31</a:t>
             </a:fld>
             <a:endParaRPr lang="zh-CN" altLang="en-US"/>
           </a:p>
@@ -1824,7 +1824,7 @@
           <a:p>
             <a:fld id="{5189DF84-E4EE-4AED-A91A-A2874B4FA724}" type="datetimeFigureOut">
               <a:rPr lang="zh-CN" altLang="en-US" smtClean="0"/>
-              <a:t>2019/10/28</a:t>
+              <a:t>2019/10/31</a:t>
             </a:fld>
             <a:endParaRPr lang="zh-CN" altLang="en-US"/>
           </a:p>
@@ -2101,7 +2101,7 @@
           <a:p>
             <a:fld id="{5189DF84-E4EE-4AED-A91A-A2874B4FA724}" type="datetimeFigureOut">
               <a:rPr lang="zh-CN" altLang="en-US" smtClean="0"/>
-              <a:t>2019/10/28</a:t>
+              <a:t>2019/10/31</a:t>
             </a:fld>
             <a:endParaRPr lang="zh-CN" altLang="en-US"/>
           </a:p>
@@ -2354,7 +2354,7 @@
           <a:p>
             <a:fld id="{5189DF84-E4EE-4AED-A91A-A2874B4FA724}" type="datetimeFigureOut">
               <a:rPr lang="zh-CN" altLang="en-US" smtClean="0"/>
-              <a:t>2019/10/28</a:t>
+              <a:t>2019/10/31</a:t>
             </a:fld>
             <a:endParaRPr lang="zh-CN" altLang="en-US"/>
           </a:p>
@@ -2569,7 +2569,7 @@
             <a:fld id="{5189DF84-E4EE-4AED-A91A-A2874B4FA724}" type="datetimeFigureOut">
               <a:rPr lang="zh-CN" altLang="en-US" smtClean="0"/>
               <a:pPr/>
-              <a:t>2019/10/28</a:t>
+              <a:t>2019/10/31</a:t>
             </a:fld>
             <a:endParaRPr lang="zh-CN" altLang="en-US" dirty="0"/>
           </a:p>
@@ -3029,7 +3029,20 @@
                 <a:latin typeface="微软雅黑" panose="020B0503020204020204" pitchFamily="34" charset="-122"/>
                 <a:ea typeface="微软雅黑" panose="020B0503020204020204" pitchFamily="34" charset="-122"/>
               </a:rPr>
-              <a:t>朕为你打下江山 组</a:t>
+              <a:t>朕为你打下江山 </a:t>
+            </a:r>
+            <a:r>
+              <a:rPr lang="en-US" altLang="zh-CN" dirty="0" smtClean="0">
+                <a:latin typeface="微软雅黑" panose="020B0503020204020204" pitchFamily="34" charset="-122"/>
+              </a:rPr>
+              <a:t>11</a:t>
+            </a:r>
+            <a:r>
+              <a:rPr lang="zh-CN" altLang="en-US" dirty="0" smtClean="0">
+                <a:latin typeface="微软雅黑" panose="020B0503020204020204" pitchFamily="34" charset="-122"/>
+                <a:ea typeface="微软雅黑" panose="020B0503020204020204" pitchFamily="34" charset="-122"/>
+              </a:rPr>
+              <a:t>组</a:t>
             </a:r>
             <a:endParaRPr lang="zh-CN" altLang="en-US" dirty="0">
               <a:latin typeface="微软雅黑" panose="020B0503020204020204" pitchFamily="34" charset="-122"/>
@@ -3048,6 +3061,13 @@
   <p:clrMapOvr>
     <a:masterClrMapping/>
   </p:clrMapOvr>
+  <p:timing>
+    <p:tnLst>
+      <p:par>
+        <p:cTn id="1" dur="indefinite" restart="never" nodeType="tmRoot"/>
+      </p:par>
+    </p:tnLst>
+  </p:timing>
 </p:sld>
 </file>
 
@@ -3080,7 +3100,7 @@
         </p:nvSpPr>
         <p:spPr>
           <a:xfrm>
-            <a:off x="1524000" y="146653"/>
+            <a:off x="1515372" y="491709"/>
             <a:ext cx="9144000" cy="801281"/>
           </a:xfrm>
         </p:spPr>
@@ -3091,8 +3111,16 @@
           <a:lstStyle/>
           <a:p>
             <a:r>
+              <a:rPr lang="zh-CN" altLang="en-US" sz="4800" dirty="0"/>
+              <a:t>一</a:t>
+            </a:r>
+            <a:r>
               <a:rPr lang="zh-CN" altLang="en-US" sz="4800" dirty="0" smtClean="0"/>
-              <a:t>一、小组成员与分共</a:t>
+              <a:t>、</a:t>
+            </a:r>
+            <a:r>
+              <a:rPr lang="zh-CN" altLang="en-US" sz="4800" dirty="0" smtClean="0"/>
+              <a:t>小组成员</a:t>
             </a:r>
             <a:endParaRPr lang="zh-CN" altLang="en-US" sz="4800" dirty="0"/>
           </a:p>
@@ -3100,14 +3128,14 @@
       </p:sp>
       <p:sp>
         <p:nvSpPr>
-          <p:cNvPr id="6" name="矩形 5"/>
+          <p:cNvPr id="2" name="矩形 1"/>
           <p:cNvSpPr/>
           <p:nvPr/>
         </p:nvSpPr>
         <p:spPr>
           <a:xfrm>
-            <a:off x="588034" y="1138687"/>
-            <a:ext cx="11015932" cy="5106837"/>
+            <a:off x="631165" y="1388851"/>
+            <a:ext cx="10912415" cy="5029200"/>
           </a:xfrm>
           <a:prstGeom prst="rect">
             <a:avLst/>
@@ -3115,32 +3143,244 @@
         </p:spPr>
         <p:style>
           <a:lnRef idx="2">
-            <a:schemeClr val="dk1">
-              <a:shade val="50000"/>
-            </a:schemeClr>
+            <a:schemeClr val="dk1"/>
           </a:lnRef>
           <a:fillRef idx="1">
-            <a:schemeClr val="dk1"/>
+            <a:schemeClr val="lt1"/>
           </a:fillRef>
           <a:effectRef idx="0">
             <a:schemeClr val="dk1"/>
           </a:effectRef>
           <a:fontRef idx="minor">
-            <a:schemeClr val="lt1"/>
+            <a:schemeClr val="dk1"/>
           </a:fontRef>
         </p:style>
         <p:txBody>
           <a:bodyPr rtlCol="0" anchor="ctr"/>
           <a:lstStyle/>
           <a:p>
-            <a:pPr algn="ctr"/>
-            <a:r>
-              <a:rPr lang="zh-CN" altLang="en-US" dirty="0" smtClean="0">
-                <a:ea typeface="微软雅黑" panose="020B0503020204020204" pitchFamily="34" charset="-122"/>
-              </a:rPr>
-              <a:t>写分工</a:t>
-            </a:r>
-            <a:endParaRPr lang="zh-CN" altLang="en-US" dirty="0">
+            <a:pPr marL="514350" indent="-514350" latinLnBrk="1">
+              <a:lnSpc>
+                <a:spcPct val="150000"/>
+              </a:lnSpc>
+              <a:buAutoNum type="arabicPeriod"/>
+            </a:pPr>
+            <a:r>
+              <a:rPr lang="en-US" altLang="zh-CN" sz="2800" dirty="0" smtClean="0">
+                <a:latin typeface="微软雅黑" panose="020B0503020204020204" pitchFamily="34" charset="-122"/>
+                <a:ea typeface="微软雅黑" panose="020B0503020204020204" pitchFamily="34" charset="-122"/>
+              </a:rPr>
+              <a:t>Task 1</a:t>
+            </a:r>
+          </a:p>
+          <a:p>
+            <a:pPr marL="971550" lvl="1" indent="-514350" latinLnBrk="1">
+              <a:lnSpc>
+                <a:spcPct val="125000"/>
+              </a:lnSpc>
+              <a:buFont typeface="Arial" panose="020B0604020202020204" pitchFamily="34" charset="0"/>
+              <a:buChar char="•"/>
+            </a:pPr>
+            <a:r>
+              <a:rPr lang="zh-CN" altLang="en-US" sz="2400" dirty="0">
+                <a:latin typeface="微软雅黑" panose="020B0503020204020204" pitchFamily="34" charset="-122"/>
+                <a:ea typeface="微软雅黑" panose="020B0503020204020204" pitchFamily="34" charset="-122"/>
+              </a:rPr>
+              <a:t>何锦雯	</a:t>
+            </a:r>
+            <a:r>
+              <a:rPr lang="en-US" altLang="zh-CN" sz="2400" dirty="0">
+                <a:latin typeface="微软雅黑" panose="020B0503020204020204" pitchFamily="34" charset="-122"/>
+                <a:ea typeface="微软雅黑" panose="020B0503020204020204" pitchFamily="34" charset="-122"/>
+              </a:rPr>
+              <a:t>201918018670006</a:t>
+            </a:r>
+          </a:p>
+          <a:p>
+            <a:pPr marL="971550" lvl="1" indent="-514350" latinLnBrk="1">
+              <a:lnSpc>
+                <a:spcPct val="125000"/>
+              </a:lnSpc>
+              <a:buFont typeface="Arial" panose="020B0604020202020204" pitchFamily="34" charset="0"/>
+              <a:buChar char="•"/>
+            </a:pPr>
+            <a:r>
+              <a:rPr lang="zh-CN" altLang="en-US" sz="2400" dirty="0">
+                <a:latin typeface="微软雅黑" panose="020B0503020204020204" pitchFamily="34" charset="-122"/>
+                <a:ea typeface="微软雅黑" panose="020B0503020204020204" pitchFamily="34" charset="-122"/>
+              </a:rPr>
+              <a:t>章江山	</a:t>
+            </a:r>
+            <a:r>
+              <a:rPr lang="en-US" altLang="zh-CN" sz="2400" dirty="0">
+                <a:latin typeface="微软雅黑" panose="020B0503020204020204" pitchFamily="34" charset="-122"/>
+                <a:ea typeface="微软雅黑" panose="020B0503020204020204" pitchFamily="34" charset="-122"/>
+              </a:rPr>
+              <a:t>2019E8018661045</a:t>
+            </a:r>
+          </a:p>
+          <a:p>
+            <a:pPr marL="971550" lvl="1" indent="-514350" latinLnBrk="1">
+              <a:lnSpc>
+                <a:spcPct val="125000"/>
+              </a:lnSpc>
+              <a:buFont typeface="Arial" panose="020B0604020202020204" pitchFamily="34" charset="0"/>
+              <a:buChar char="•"/>
+            </a:pPr>
+            <a:r>
+              <a:rPr lang="zh-CN" altLang="en-US" sz="2400" dirty="0">
+                <a:latin typeface="微软雅黑" panose="020B0503020204020204" pitchFamily="34" charset="-122"/>
+                <a:ea typeface="微软雅黑" panose="020B0503020204020204" pitchFamily="34" charset="-122"/>
+              </a:rPr>
+              <a:t>陈雨杰	</a:t>
+            </a:r>
+            <a:r>
+              <a:rPr lang="en-US" altLang="zh-CN" sz="2400" dirty="0">
+                <a:latin typeface="微软雅黑" panose="020B0503020204020204" pitchFamily="34" charset="-122"/>
+                <a:ea typeface="微软雅黑" panose="020B0503020204020204" pitchFamily="34" charset="-122"/>
+              </a:rPr>
+              <a:t>201928009515020</a:t>
+            </a:r>
+          </a:p>
+          <a:p>
+            <a:pPr marL="971550" lvl="1" indent="-514350" latinLnBrk="1">
+              <a:lnSpc>
+                <a:spcPct val="125000"/>
+              </a:lnSpc>
+              <a:buFont typeface="Arial" panose="020B0604020202020204" pitchFamily="34" charset="0"/>
+              <a:buChar char="•"/>
+            </a:pPr>
+            <a:r>
+              <a:rPr lang="zh-CN" altLang="en-US" sz="2400" dirty="0">
+                <a:latin typeface="微软雅黑" panose="020B0503020204020204" pitchFamily="34" charset="-122"/>
+                <a:ea typeface="微软雅黑" panose="020B0503020204020204" pitchFamily="34" charset="-122"/>
+              </a:rPr>
+              <a:t>林超阳	</a:t>
+            </a:r>
+            <a:r>
+              <a:rPr lang="en-US" altLang="zh-CN" sz="2400" dirty="0">
+                <a:latin typeface="微软雅黑" panose="020B0503020204020204" pitchFamily="34" charset="-122"/>
+                <a:ea typeface="微软雅黑" panose="020B0503020204020204" pitchFamily="34" charset="-122"/>
+              </a:rPr>
+              <a:t>2019E8018661049</a:t>
+            </a:r>
+            <a:endParaRPr lang="en-US" altLang="zh-CN" sz="2400" dirty="0">
+              <a:latin typeface="微软雅黑" panose="020B0503020204020204" pitchFamily="34" charset="-122"/>
+              <a:ea typeface="微软雅黑" panose="020B0503020204020204" pitchFamily="34" charset="-122"/>
+            </a:endParaRPr>
+          </a:p>
+          <a:p>
+            <a:pPr marL="514350" indent="-514350" latinLnBrk="1">
+              <a:lnSpc>
+                <a:spcPct val="150000"/>
+              </a:lnSpc>
+              <a:buAutoNum type="arabicPeriod"/>
+            </a:pPr>
+            <a:r>
+              <a:rPr lang="en-US" altLang="zh-CN" sz="2800" dirty="0" smtClean="0">
+                <a:latin typeface="微软雅黑" panose="020B0503020204020204" pitchFamily="34" charset="-122"/>
+                <a:ea typeface="微软雅黑" panose="020B0503020204020204" pitchFamily="34" charset="-122"/>
+              </a:rPr>
+              <a:t>Task 2</a:t>
+            </a:r>
+          </a:p>
+          <a:p>
+            <a:pPr marL="971550" lvl="1" indent="-514350" latinLnBrk="1">
+              <a:lnSpc>
+                <a:spcPct val="125000"/>
+              </a:lnSpc>
+              <a:buFont typeface="Arial" panose="020B0604020202020204" pitchFamily="34" charset="0"/>
+              <a:buChar char="•"/>
+            </a:pPr>
+            <a:r>
+              <a:rPr lang="zh-CN" altLang="en-US" sz="2400" dirty="0">
+                <a:latin typeface="微软雅黑" panose="020B0503020204020204" pitchFamily="34" charset="-122"/>
+                <a:ea typeface="微软雅黑" panose="020B0503020204020204" pitchFamily="34" charset="-122"/>
+              </a:rPr>
+              <a:t>李蕊诗	</a:t>
+            </a:r>
+            <a:r>
+              <a:rPr lang="en-US" altLang="zh-CN" sz="2400" dirty="0">
+                <a:latin typeface="微软雅黑" panose="020B0503020204020204" pitchFamily="34" charset="-122"/>
+                <a:ea typeface="微软雅黑" panose="020B0503020204020204" pitchFamily="34" charset="-122"/>
+              </a:rPr>
+              <a:t>201928018670060</a:t>
+            </a:r>
+          </a:p>
+          <a:p>
+            <a:pPr marL="971550" lvl="1" indent="-514350" latinLnBrk="1">
+              <a:lnSpc>
+                <a:spcPct val="125000"/>
+              </a:lnSpc>
+              <a:buFont typeface="Arial" panose="020B0604020202020204" pitchFamily="34" charset="0"/>
+              <a:buChar char="•"/>
+            </a:pPr>
+            <a:r>
+              <a:rPr lang="zh-CN" altLang="en-US" sz="2400" dirty="0">
+                <a:latin typeface="微软雅黑" panose="020B0503020204020204" pitchFamily="34" charset="-122"/>
+                <a:ea typeface="微软雅黑" panose="020B0503020204020204" pitchFamily="34" charset="-122"/>
+              </a:rPr>
+              <a:t>林子晋	</a:t>
+            </a:r>
+            <a:r>
+              <a:rPr lang="en-US" altLang="zh-CN" sz="2400" dirty="0">
+                <a:latin typeface="微软雅黑" panose="020B0503020204020204" pitchFamily="34" charset="-122"/>
+                <a:ea typeface="微软雅黑" panose="020B0503020204020204" pitchFamily="34" charset="-122"/>
+              </a:rPr>
+              <a:t>201918018670016</a:t>
+            </a:r>
+          </a:p>
+          <a:p>
+            <a:pPr marL="971550" lvl="1" indent="-514350" latinLnBrk="1">
+              <a:lnSpc>
+                <a:spcPct val="125000"/>
+              </a:lnSpc>
+              <a:buFont typeface="Arial" panose="020B0604020202020204" pitchFamily="34" charset="0"/>
+              <a:buChar char="•"/>
+            </a:pPr>
+            <a:r>
+              <a:rPr lang="zh-CN" altLang="en-US" sz="2400" dirty="0">
+                <a:latin typeface="微软雅黑" panose="020B0503020204020204" pitchFamily="34" charset="-122"/>
+                <a:ea typeface="微软雅黑" panose="020B0503020204020204" pitchFamily="34" charset="-122"/>
+              </a:rPr>
+              <a:t>李彦	</a:t>
+            </a:r>
+            <a:r>
+              <a:rPr lang="en-US" altLang="zh-CN" sz="2400" dirty="0" smtClean="0">
+                <a:latin typeface="微软雅黑" panose="020B0503020204020204" pitchFamily="34" charset="-122"/>
+                <a:ea typeface="微软雅黑" panose="020B0503020204020204" pitchFamily="34" charset="-122"/>
+              </a:rPr>
+              <a:t>	201918018670032</a:t>
+            </a:r>
+            <a:endParaRPr lang="en-US" altLang="zh-CN" sz="2400" dirty="0">
+              <a:latin typeface="微软雅黑" panose="020B0503020204020204" pitchFamily="34" charset="-122"/>
+              <a:ea typeface="微软雅黑" panose="020B0503020204020204" pitchFamily="34" charset="-122"/>
+            </a:endParaRPr>
+          </a:p>
+          <a:p>
+            <a:pPr marL="971550" lvl="1" indent="-514350" latinLnBrk="1">
+              <a:lnSpc>
+                <a:spcPct val="125000"/>
+              </a:lnSpc>
+              <a:buFont typeface="Arial" panose="020B0604020202020204" pitchFamily="34" charset="0"/>
+              <a:buChar char="•"/>
+            </a:pPr>
+            <a:r>
+              <a:rPr lang="zh-CN" altLang="en-US" sz="2400" dirty="0">
+                <a:latin typeface="微软雅黑" panose="020B0503020204020204" pitchFamily="34" charset="-122"/>
+                <a:ea typeface="微软雅黑" panose="020B0503020204020204" pitchFamily="34" charset="-122"/>
+              </a:rPr>
+              <a:t>胡兴波	</a:t>
+            </a:r>
+            <a:r>
+              <a:rPr lang="en-US" altLang="zh-CN" sz="2400" dirty="0" smtClean="0">
+                <a:latin typeface="微软雅黑" panose="020B0503020204020204" pitchFamily="34" charset="-122"/>
+                <a:ea typeface="微软雅黑" panose="020B0503020204020204" pitchFamily="34" charset="-122"/>
+              </a:rPr>
+              <a:t>201928018670038</a:t>
+            </a:r>
+            <a:endParaRPr lang="en-US" altLang="zh-CN" sz="2400" dirty="0">
+              <a:latin typeface="微软雅黑" panose="020B0503020204020204" pitchFamily="34" charset="-122"/>
               <a:ea typeface="微软雅黑" panose="020B0503020204020204" pitchFamily="34" charset="-122"/>
             </a:endParaRPr>
           </a:p>
@@ -3149,7 +3389,7 @@
     </p:spTree>
     <p:extLst>
       <p:ext uri="{BB962C8B-B14F-4D97-AF65-F5344CB8AC3E}">
-        <p14:creationId xmlns:p14="http://schemas.microsoft.com/office/powerpoint/2010/main" val="380579251"/>
+        <p14:creationId xmlns:p14="http://schemas.microsoft.com/office/powerpoint/2010/main" val="230855596"/>
       </p:ext>
     </p:extLst>
   </p:cSld>
@@ -3195,7 +3435,7 @@
         </p:nvSpPr>
         <p:spPr>
           <a:xfrm>
-            <a:off x="1498120" y="388192"/>
+            <a:off x="1515372" y="491709"/>
             <a:ext cx="9144000" cy="801281"/>
           </a:xfrm>
         </p:spPr>
@@ -3211,7 +3451,11 @@
             </a:r>
             <a:r>
               <a:rPr lang="zh-CN" altLang="en-US" sz="4800" dirty="0" smtClean="0"/>
-              <a:t>、相关技术与论文调研</a:t>
+              <a:t>、</a:t>
+            </a:r>
+            <a:r>
+              <a:rPr lang="zh-CN" altLang="en-US" sz="4800" dirty="0" smtClean="0"/>
+              <a:t>相关技术与论文调研</a:t>
             </a:r>
             <a:endParaRPr lang="zh-CN" altLang="en-US" sz="4800" dirty="0"/>
           </a:p>
@@ -3225,8 +3469,8 @@
         </p:nvSpPr>
         <p:spPr>
           <a:xfrm>
-            <a:off x="613912" y="1311214"/>
-            <a:ext cx="10912415" cy="5029200"/>
+            <a:off x="631165" y="1388850"/>
+            <a:ext cx="10912415" cy="5187047"/>
           </a:xfrm>
           <a:prstGeom prst="rect">
             <a:avLst/>
@@ -3234,25 +3478,26 @@
         </p:spPr>
         <p:style>
           <a:lnRef idx="2">
-            <a:schemeClr val="dk1">
-              <a:shade val="50000"/>
-            </a:schemeClr>
+            <a:schemeClr val="dk1"/>
           </a:lnRef>
           <a:fillRef idx="1">
-            <a:schemeClr val="dk1"/>
+            <a:schemeClr val="lt1"/>
           </a:fillRef>
           <a:effectRef idx="0">
             <a:schemeClr val="dk1"/>
           </a:effectRef>
           <a:fontRef idx="minor">
-            <a:schemeClr val="lt1"/>
+            <a:schemeClr val="dk1"/>
           </a:fontRef>
         </p:style>
         <p:txBody>
           <a:bodyPr rtlCol="0" anchor="ctr"/>
           <a:lstStyle/>
           <a:p>
-            <a:pPr marL="514350" indent="-514350">
+            <a:pPr marL="514350" indent="-514350" latinLnBrk="1">
+              <a:lnSpc>
+                <a:spcPct val="150000"/>
+              </a:lnSpc>
               <a:buAutoNum type="arabicPeriod"/>
             </a:pPr>
             <a:r>
@@ -3269,7 +3514,10 @@
             </a:endParaRPr>
           </a:p>
           <a:p>
-            <a:pPr marL="514350" indent="-514350">
+            <a:pPr marL="514350" indent="-514350" latinLnBrk="1">
+              <a:lnSpc>
+                <a:spcPct val="150000"/>
+              </a:lnSpc>
               <a:buAutoNum type="arabicPeriod"/>
             </a:pPr>
             <a:r>
@@ -3291,7 +3539,10 @@
             </a:endParaRPr>
           </a:p>
           <a:p>
-            <a:pPr marL="514350" indent="-514350">
+            <a:pPr marL="514350" indent="-514350" latinLnBrk="1">
+              <a:lnSpc>
+                <a:spcPct val="150000"/>
+              </a:lnSpc>
               <a:buAutoNum type="arabicPeriod"/>
             </a:pPr>
             <a:r>
@@ -3313,7 +3564,10 @@
             </a:endParaRPr>
           </a:p>
           <a:p>
-            <a:pPr marL="514350" indent="-514350">
+            <a:pPr marL="514350" indent="-514350" latinLnBrk="1">
+              <a:lnSpc>
+                <a:spcPct val="150000"/>
+              </a:lnSpc>
               <a:buAutoNum type="arabicPeriod"/>
             </a:pPr>
             <a:r>
@@ -3360,7 +3614,10 @@
             </a:r>
           </a:p>
           <a:p>
-            <a:pPr marL="514350" indent="-514350">
+            <a:pPr marL="514350" indent="-514350" latinLnBrk="1">
+              <a:lnSpc>
+                <a:spcPct val="150000"/>
+              </a:lnSpc>
               <a:buAutoNum type="arabicPeriod"/>
             </a:pPr>
             <a:r>
@@ -3395,7 +3652,10 @@
             </a:r>
           </a:p>
           <a:p>
-            <a:pPr marL="514350" indent="-514350">
+            <a:pPr marL="514350" indent="-514350" latinLnBrk="1">
+              <a:lnSpc>
+                <a:spcPct val="150000"/>
+              </a:lnSpc>
               <a:buAutoNum type="arabicPeriod"/>
             </a:pPr>
             <a:r>
@@ -3460,7 +3720,7 @@
         </p:nvSpPr>
         <p:spPr>
           <a:xfrm>
-            <a:off x="1498120" y="388192"/>
+            <a:off x="1507848" y="388192"/>
             <a:ext cx="9144000" cy="801281"/>
           </a:xfrm>
         </p:spPr>
@@ -3490,7 +3750,7 @@
         </p:nvSpPr>
         <p:spPr>
           <a:xfrm>
-            <a:off x="613912" y="1311214"/>
+            <a:off x="623640" y="1340397"/>
             <a:ext cx="10912415" cy="5029200"/>
           </a:xfrm>
           <a:prstGeom prst="rect">
@@ -3499,33 +3759,158 @@
         </p:spPr>
         <p:style>
           <a:lnRef idx="2">
-            <a:schemeClr val="dk1">
-              <a:shade val="50000"/>
-            </a:schemeClr>
+            <a:schemeClr val="dk1"/>
           </a:lnRef>
           <a:fillRef idx="1">
-            <a:schemeClr val="dk1"/>
+            <a:schemeClr val="lt1"/>
           </a:fillRef>
           <a:effectRef idx="0">
             <a:schemeClr val="dk1"/>
           </a:effectRef>
           <a:fontRef idx="minor">
-            <a:schemeClr val="lt1"/>
+            <a:schemeClr val="dk1"/>
           </a:fontRef>
         </p:style>
         <p:txBody>
           <a:bodyPr rtlCol="0" anchor="ctr"/>
           <a:lstStyle/>
           <a:p>
+            <a:pPr marL="514350" indent="-514350">
+              <a:lnSpc>
+                <a:spcPct val="150000"/>
+              </a:lnSpc>
+              <a:buAutoNum type="arabicPeriod"/>
+            </a:pPr>
+            <a:r>
+              <a:rPr lang="en-US" altLang="zh-CN" sz="2800" dirty="0" smtClean="0">
+                <a:latin typeface="微软雅黑" panose="020B0503020204020204" pitchFamily="34" charset="-122"/>
+                <a:ea typeface="微软雅黑" panose="020B0503020204020204" pitchFamily="34" charset="-122"/>
+                <a:hlinkClick r:id="rId2" action="ppaction://hlinkpres?slideindex=1&amp;slidetitle="/>
+              </a:rPr>
+              <a:t>Task 1</a:t>
+            </a:r>
             <a:r>
               <a:rPr lang="zh-CN" altLang="en-US" sz="2800" dirty="0" smtClean="0">
                 <a:latin typeface="微软雅黑" panose="020B0503020204020204" pitchFamily="34" charset="-122"/>
                 <a:ea typeface="微软雅黑" panose="020B0503020204020204" pitchFamily="34" charset="-122"/>
-              </a:rPr>
-              <a:t>写实现</a:t>
+                <a:hlinkClick r:id="rId2" action="ppaction://hlinkpres?slideindex=1&amp;slidetitle="/>
+              </a:rPr>
+              <a:t>：前端生成验证码</a:t>
+            </a:r>
+            <a:r>
+              <a:rPr lang="zh-CN" altLang="en-US" sz="2800" dirty="0" smtClean="0">
+                <a:latin typeface="微软雅黑" panose="020B0503020204020204" pitchFamily="34" charset="-122"/>
+                <a:ea typeface="微软雅黑" panose="020B0503020204020204" pitchFamily="34" charset="-122"/>
+              </a:rPr>
+              <a:t>；</a:t>
+            </a:r>
+            <a:endParaRPr lang="en-US" altLang="zh-CN" sz="2800" dirty="0" smtClean="0">
+              <a:latin typeface="微软雅黑" panose="020B0503020204020204" pitchFamily="34" charset="-122"/>
+              <a:ea typeface="微软雅黑" panose="020B0503020204020204" pitchFamily="34" charset="-122"/>
+            </a:endParaRPr>
+          </a:p>
+          <a:p>
+            <a:pPr marL="514350" indent="-514350">
+              <a:lnSpc>
+                <a:spcPct val="150000"/>
+              </a:lnSpc>
+              <a:buAutoNum type="arabicPeriod"/>
+            </a:pPr>
+            <a:r>
+              <a:rPr lang="en-US" altLang="zh-CN" sz="2800" dirty="0" smtClean="0">
+                <a:latin typeface="微软雅黑" panose="020B0503020204020204" pitchFamily="34" charset="-122"/>
+                <a:ea typeface="微软雅黑" panose="020B0503020204020204" pitchFamily="34" charset="-122"/>
+                <a:hlinkClick r:id="rId3" action="ppaction://hlinkpres?slideindex=1&amp;slidetitle="/>
+              </a:rPr>
+              <a:t>Task 2</a:t>
+            </a:r>
+            <a:r>
+              <a:rPr lang="zh-CN" altLang="en-US" sz="2800" dirty="0" smtClean="0">
+                <a:latin typeface="微软雅黑" panose="020B0503020204020204" pitchFamily="34" charset="-122"/>
+                <a:ea typeface="微软雅黑" panose="020B0503020204020204" pitchFamily="34" charset="-122"/>
+                <a:hlinkClick r:id="rId3" action="ppaction://hlinkpres?slideindex=1&amp;slidetitle="/>
+              </a:rPr>
+              <a:t>：后端生成验证码</a:t>
+            </a:r>
+            <a:r>
+              <a:rPr lang="zh-CN" altLang="en-US" sz="2800" dirty="0" smtClean="0">
+                <a:latin typeface="微软雅黑" panose="020B0503020204020204" pitchFamily="34" charset="-122"/>
+                <a:ea typeface="微软雅黑" panose="020B0503020204020204" pitchFamily="34" charset="-122"/>
+              </a:rPr>
+              <a:t>；</a:t>
             </a:r>
             <a:endParaRPr lang="zh-CN" altLang="en-US" sz="2800" dirty="0">
               <a:latin typeface="微软雅黑" panose="020B0503020204020204" pitchFamily="34" charset="-122"/>
+              <a:ea typeface="微软雅黑" panose="020B0503020204020204" pitchFamily="34" charset="-122"/>
+            </a:endParaRPr>
+          </a:p>
+        </p:txBody>
+      </p:sp>
+      <p:sp>
+        <p:nvSpPr>
+          <p:cNvPr id="3" name="文本框 2"/>
+          <p:cNvSpPr txBox="1"/>
+          <p:nvPr/>
+        </p:nvSpPr>
+        <p:spPr>
+          <a:xfrm>
+            <a:off x="623639" y="1573861"/>
+            <a:ext cx="10912415" cy="954107"/>
+          </a:xfrm>
+          <a:prstGeom prst="rect">
+            <a:avLst/>
+          </a:prstGeom>
+          <a:noFill/>
+          <a:ln>
+            <a:noFill/>
+          </a:ln>
+        </p:spPr>
+        <p:txBody>
+          <a:bodyPr wrap="square" rtlCol="0">
+            <a:spAutoFit/>
+          </a:bodyPr>
+          <a:lstStyle/>
+          <a:p>
+            <a:r>
+              <a:rPr lang="zh-CN" altLang="en-US" sz="2800" dirty="0" smtClean="0">
+                <a:solidFill>
+                  <a:schemeClr val="dk1"/>
+                </a:solidFill>
+                <a:ea typeface="微软雅黑" panose="020B0503020204020204" pitchFamily="34" charset="-122"/>
+              </a:rPr>
+              <a:t>        具体</a:t>
+            </a:r>
+            <a:r>
+              <a:rPr lang="zh-CN" altLang="en-US" sz="2800" dirty="0">
+                <a:solidFill>
+                  <a:schemeClr val="dk1"/>
+                </a:solidFill>
+                <a:ea typeface="微软雅黑" panose="020B0503020204020204" pitchFamily="34" charset="-122"/>
+              </a:rPr>
+              <a:t>的，我们根据验证码生成的位置（客户端</a:t>
+            </a:r>
+            <a:r>
+              <a:rPr lang="en-US" altLang="zh-CN" sz="2800" dirty="0">
+                <a:solidFill>
+                  <a:schemeClr val="dk1"/>
+                </a:solidFill>
+                <a:ea typeface="微软雅黑" panose="020B0503020204020204" pitchFamily="34" charset="-122"/>
+              </a:rPr>
+              <a:t>/</a:t>
+            </a:r>
+            <a:r>
+              <a:rPr lang="zh-CN" altLang="en-US" sz="2800" dirty="0">
+                <a:solidFill>
+                  <a:schemeClr val="dk1"/>
+                </a:solidFill>
+                <a:ea typeface="微软雅黑" panose="020B0503020204020204" pitchFamily="34" charset="-122"/>
+              </a:rPr>
+              <a:t>服务端），实现了两种不同的绕过机制；</a:t>
+            </a:r>
+            <a:endParaRPr lang="zh-CN" altLang="en-US" sz="2800" dirty="0">
+              <a:solidFill>
+                <a:schemeClr val="dk1"/>
+              </a:solidFill>
               <a:ea typeface="微软雅黑" panose="020B0503020204020204" pitchFamily="34" charset="-122"/>
             </a:endParaRPr>
           </a:p>

--- a/document/朕为你打下江山.pptx
+++ b/document/朕为你打下江山.pptx
@@ -246,7 +246,7 @@
           <a:p>
             <a:fld id="{5189DF84-E4EE-4AED-A91A-A2874B4FA724}" type="datetimeFigureOut">
               <a:rPr lang="zh-CN" altLang="en-US" smtClean="0"/>
-              <a:t>2019/10/31</a:t>
+              <a:t>2019/11/1</a:t>
             </a:fld>
             <a:endParaRPr lang="zh-CN" altLang="en-US"/>
           </a:p>
@@ -416,7 +416,7 @@
           <a:p>
             <a:fld id="{5189DF84-E4EE-4AED-A91A-A2874B4FA724}" type="datetimeFigureOut">
               <a:rPr lang="zh-CN" altLang="en-US" smtClean="0"/>
-              <a:t>2019/10/31</a:t>
+              <a:t>2019/11/1</a:t>
             </a:fld>
             <a:endParaRPr lang="zh-CN" altLang="en-US"/>
           </a:p>
@@ -596,7 +596,7 @@
           <a:p>
             <a:fld id="{5189DF84-E4EE-4AED-A91A-A2874B4FA724}" type="datetimeFigureOut">
               <a:rPr lang="zh-CN" altLang="en-US" smtClean="0"/>
-              <a:t>2019/10/31</a:t>
+              <a:t>2019/11/1</a:t>
             </a:fld>
             <a:endParaRPr lang="zh-CN" altLang="en-US"/>
           </a:p>
@@ -766,7 +766,7 @@
           <a:p>
             <a:fld id="{5189DF84-E4EE-4AED-A91A-A2874B4FA724}" type="datetimeFigureOut">
               <a:rPr lang="zh-CN" altLang="en-US" smtClean="0"/>
-              <a:t>2019/10/31</a:t>
+              <a:t>2019/11/1</a:t>
             </a:fld>
             <a:endParaRPr lang="zh-CN" altLang="en-US"/>
           </a:p>
@@ -1012,7 +1012,7 @@
           <a:p>
             <a:fld id="{5189DF84-E4EE-4AED-A91A-A2874B4FA724}" type="datetimeFigureOut">
               <a:rPr lang="zh-CN" altLang="en-US" smtClean="0"/>
-              <a:t>2019/10/31</a:t>
+              <a:t>2019/11/1</a:t>
             </a:fld>
             <a:endParaRPr lang="zh-CN" altLang="en-US"/>
           </a:p>
@@ -1244,7 +1244,7 @@
           <a:p>
             <a:fld id="{5189DF84-E4EE-4AED-A91A-A2874B4FA724}" type="datetimeFigureOut">
               <a:rPr lang="zh-CN" altLang="en-US" smtClean="0"/>
-              <a:t>2019/10/31</a:t>
+              <a:t>2019/11/1</a:t>
             </a:fld>
             <a:endParaRPr lang="zh-CN" altLang="en-US"/>
           </a:p>
@@ -1611,7 +1611,7 @@
           <a:p>
             <a:fld id="{5189DF84-E4EE-4AED-A91A-A2874B4FA724}" type="datetimeFigureOut">
               <a:rPr lang="zh-CN" altLang="en-US" smtClean="0"/>
-              <a:t>2019/10/31</a:t>
+              <a:t>2019/11/1</a:t>
             </a:fld>
             <a:endParaRPr lang="zh-CN" altLang="en-US"/>
           </a:p>
@@ -1729,7 +1729,7 @@
           <a:p>
             <a:fld id="{5189DF84-E4EE-4AED-A91A-A2874B4FA724}" type="datetimeFigureOut">
               <a:rPr lang="zh-CN" altLang="en-US" smtClean="0"/>
-              <a:t>2019/10/31</a:t>
+              <a:t>2019/11/1</a:t>
             </a:fld>
             <a:endParaRPr lang="zh-CN" altLang="en-US"/>
           </a:p>
@@ -1824,7 +1824,7 @@
           <a:p>
             <a:fld id="{5189DF84-E4EE-4AED-A91A-A2874B4FA724}" type="datetimeFigureOut">
               <a:rPr lang="zh-CN" altLang="en-US" smtClean="0"/>
-              <a:t>2019/10/31</a:t>
+              <a:t>2019/11/1</a:t>
             </a:fld>
             <a:endParaRPr lang="zh-CN" altLang="en-US"/>
           </a:p>
@@ -2101,7 +2101,7 @@
           <a:p>
             <a:fld id="{5189DF84-E4EE-4AED-A91A-A2874B4FA724}" type="datetimeFigureOut">
               <a:rPr lang="zh-CN" altLang="en-US" smtClean="0"/>
-              <a:t>2019/10/31</a:t>
+              <a:t>2019/11/1</a:t>
             </a:fld>
             <a:endParaRPr lang="zh-CN" altLang="en-US"/>
           </a:p>
@@ -2354,7 +2354,7 @@
           <a:p>
             <a:fld id="{5189DF84-E4EE-4AED-A91A-A2874B4FA724}" type="datetimeFigureOut">
               <a:rPr lang="zh-CN" altLang="en-US" smtClean="0"/>
-              <a:t>2019/10/31</a:t>
+              <a:t>2019/11/1</a:t>
             </a:fld>
             <a:endParaRPr lang="zh-CN" altLang="en-US"/>
           </a:p>
@@ -2569,7 +2569,7 @@
             <a:fld id="{5189DF84-E4EE-4AED-A91A-A2874B4FA724}" type="datetimeFigureOut">
               <a:rPr lang="zh-CN" altLang="en-US" smtClean="0"/>
               <a:pPr/>
-              <a:t>2019/10/31</a:t>
+              <a:t>2019/11/1</a:t>
             </a:fld>
             <a:endParaRPr lang="zh-CN" altLang="en-US" dirty="0"/>
           </a:p>
@@ -3116,11 +3116,7 @@
             </a:r>
             <a:r>
               <a:rPr lang="zh-CN" altLang="en-US" sz="4800" dirty="0" smtClean="0"/>
-              <a:t>、</a:t>
-            </a:r>
-            <a:r>
-              <a:rPr lang="zh-CN" altLang="en-US" sz="4800" dirty="0" smtClean="0"/>
-              <a:t>小组成员</a:t>
+              <a:t>、小组成员</a:t>
             </a:r>
             <a:endParaRPr lang="zh-CN" altLang="en-US" sz="4800" dirty="0"/>
           </a:p>
@@ -3140,6 +3136,9 @@
           <a:prstGeom prst="rect">
             <a:avLst/>
           </a:prstGeom>
+          <a:ln>
+            <a:noFill/>
+          </a:ln>
         </p:spPr>
         <p:style>
           <a:lnRef idx="2">
@@ -3264,10 +3263,6 @@
               </a:rPr>
               <a:t>2019E8018661049</a:t>
             </a:r>
-            <a:endParaRPr lang="en-US" altLang="zh-CN" sz="2400" dirty="0">
-              <a:latin typeface="微软雅黑" panose="020B0503020204020204" pitchFamily="34" charset="-122"/>
-              <a:ea typeface="微软雅黑" panose="020B0503020204020204" pitchFamily="34" charset="-122"/>
-            </a:endParaRPr>
           </a:p>
           <a:p>
             <a:pPr marL="514350" indent="-514350" latinLnBrk="1">
@@ -3451,11 +3446,7 @@
             </a:r>
             <a:r>
               <a:rPr lang="zh-CN" altLang="en-US" sz="4800" dirty="0" smtClean="0"/>
-              <a:t>、</a:t>
-            </a:r>
-            <a:r>
-              <a:rPr lang="zh-CN" altLang="en-US" sz="4800" dirty="0" smtClean="0"/>
-              <a:t>相关技术与论文调研</a:t>
+              <a:t>、相关技术与论文调研</a:t>
             </a:r>
             <a:endParaRPr lang="zh-CN" altLang="en-US" sz="4800" dirty="0"/>
           </a:p>
@@ -3475,6 +3466,9 @@
           <a:prstGeom prst="rect">
             <a:avLst/>
           </a:prstGeom>
+          <a:ln>
+            <a:noFill/>
+          </a:ln>
         </p:spPr>
         <p:style>
           <a:lnRef idx="2">
@@ -3573,45 +3567,55 @@
             <a:r>
               <a:rPr lang="zh-CN" altLang="en-US" sz="2800" dirty="0">
                 <a:ea typeface="微软雅黑" panose="020B0503020204020204" pitchFamily="34" charset="-122"/>
+                <a:hlinkClick r:id="rId5" action="ppaction://hlinkpres?slideindex=1&amp;slidetitle="/>
               </a:rPr>
               <a:t>认证限速</a:t>
             </a:r>
             <a:r>
               <a:rPr lang="zh-CN" altLang="en-US" sz="2800" dirty="0" smtClean="0">
                 <a:ea typeface="微软雅黑" panose="020B0503020204020204" pitchFamily="34" charset="-122"/>
+                <a:hlinkClick r:id="rId5" action="ppaction://hlinkpres?slideindex=1&amp;slidetitle="/>
               </a:rPr>
               <a:t>机制：</a:t>
             </a:r>
             <a:r>
               <a:rPr lang="en-US" altLang="zh-CN" sz="2800" dirty="0" smtClean="0">
                 <a:ea typeface="微软雅黑" panose="020B0503020204020204" pitchFamily="34" charset="-122"/>
+                <a:hlinkClick r:id="rId5" action="ppaction://hlinkpres?slideindex=1&amp;slidetitle="/>
               </a:rPr>
               <a:t>A </a:t>
             </a:r>
             <a:r>
               <a:rPr lang="en-US" altLang="zh-CN" sz="2800" dirty="0">
                 <a:ea typeface="微软雅黑" panose="020B0503020204020204" pitchFamily="34" charset="-122"/>
+                <a:hlinkClick r:id="rId5" action="ppaction://hlinkpres?slideindex=1&amp;slidetitle="/>
               </a:rPr>
               <a:t>Measurement Study of Authentication </a:t>
             </a:r>
             <a:r>
               <a:rPr lang="en-US" altLang="zh-CN" sz="2800" dirty="0" smtClean="0">
                 <a:ea typeface="微软雅黑" panose="020B0503020204020204" pitchFamily="34" charset="-122"/>
+                <a:hlinkClick r:id="rId5" action="ppaction://hlinkpres?slideindex=1&amp;slidetitle="/>
               </a:rPr>
               <a:t>Rate-</a:t>
             </a:r>
             <a:r>
               <a:rPr lang="en-US" altLang="zh-CN" sz="2800" dirty="0">
                 <a:ea typeface="微软雅黑" panose="020B0503020204020204" pitchFamily="34" charset="-122"/>
+                <a:hlinkClick r:id="rId5" action="ppaction://hlinkpres?slideindex=1&amp;slidetitle="/>
               </a:rPr>
               <a:t>Limiting Mechanisms of Modern </a:t>
             </a:r>
             <a:r>
               <a:rPr lang="en-US" altLang="zh-CN" sz="2800" dirty="0" smtClean="0">
                 <a:ea typeface="微软雅黑" panose="020B0503020204020204" pitchFamily="34" charset="-122"/>
+                <a:hlinkClick r:id="rId5" action="ppaction://hlinkpres?slideindex=1&amp;slidetitle="/>
               </a:rPr>
               <a:t>Websites</a:t>
             </a:r>
+            <a:endParaRPr lang="en-US" altLang="zh-CN" sz="2800" dirty="0" smtClean="0">
+              <a:ea typeface="微软雅黑" panose="020B0503020204020204" pitchFamily="34" charset="-122"/>
+            </a:endParaRPr>
           </a:p>
           <a:p>
             <a:pPr marL="514350" indent="-514350" latinLnBrk="1">
@@ -3623,33 +3627,41 @@
             <a:r>
               <a:rPr lang="zh-CN" altLang="en-US" sz="2800" dirty="0" smtClean="0">
                 <a:ea typeface="微软雅黑" panose="020B0503020204020204" pitchFamily="34" charset="-122"/>
+                <a:hlinkClick r:id="rId6" action="ppaction://hlinkpres?slideindex=1&amp;slidetitle="/>
               </a:rPr>
               <a:t>定向口令猜解：</a:t>
             </a:r>
             <a:r>
               <a:rPr lang="en-US" altLang="zh-CN" sz="2800" dirty="0">
                 <a:ea typeface="微软雅黑" panose="020B0503020204020204" pitchFamily="34" charset="-122"/>
+                <a:hlinkClick r:id="rId6" action="ppaction://hlinkpres?slideindex=1&amp;slidetitle="/>
               </a:rPr>
               <a:t>Beyond Credential Stuffing: Password </a:t>
             </a:r>
             <a:r>
               <a:rPr lang="en-US" altLang="zh-CN" sz="2800" dirty="0" smtClean="0">
                 <a:ea typeface="微软雅黑" panose="020B0503020204020204" pitchFamily="34" charset="-122"/>
+                <a:hlinkClick r:id="rId6" action="ppaction://hlinkpres?slideindex=1&amp;slidetitle="/>
               </a:rPr>
               <a:t>Similarity </a:t>
             </a:r>
             <a:r>
               <a:rPr lang="en-US" altLang="zh-CN" sz="2800" dirty="0">
                 <a:ea typeface="微软雅黑" panose="020B0503020204020204" pitchFamily="34" charset="-122"/>
+                <a:hlinkClick r:id="rId6" action="ppaction://hlinkpres?slideindex=1&amp;slidetitle="/>
               </a:rPr>
               <a:t>Models using Neural </a:t>
             </a:r>
             <a:r>
               <a:rPr lang="en-US" altLang="zh-CN" sz="2800" dirty="0" smtClean="0">
                 <a:ea typeface="微软雅黑" panose="020B0503020204020204" pitchFamily="34" charset="-122"/>
+                <a:hlinkClick r:id="rId6" action="ppaction://hlinkpres?slideindex=1&amp;slidetitle="/>
               </a:rPr>
               <a:t>Networks</a:t>
             </a:r>
+            <a:endParaRPr lang="en-US" altLang="zh-CN" sz="2800" dirty="0" smtClean="0">
+              <a:ea typeface="微软雅黑" panose="020B0503020204020204" pitchFamily="34" charset="-122"/>
+            </a:endParaRPr>
           </a:p>
           <a:p>
             <a:pPr marL="514350" indent="-514350" latinLnBrk="1">
@@ -3661,6 +3673,7 @@
             <a:r>
               <a:rPr lang="en-US" altLang="zh-CN" sz="2800" dirty="0">
                 <a:ea typeface="微软雅黑" panose="020B0503020204020204" pitchFamily="34" charset="-122"/>
+                <a:hlinkClick r:id="rId7" action="ppaction://hlinkpres?slideindex=1&amp;slidetitle="/>
               </a:rPr>
               <a:t>Reasoning Analytically About Password-Cracking Software</a:t>
             </a:r>
@@ -3756,6 +3769,9 @@
           <a:prstGeom prst="rect">
             <a:avLst/>
           </a:prstGeom>
+          <a:ln>
+            <a:noFill/>
+          </a:ln>
         </p:spPr>
         <p:style>
           <a:lnRef idx="2">
@@ -3907,12 +3923,6 @@
               </a:rPr>
               <a:t>服务端），实现了两种不同的绕过机制；</a:t>
             </a:r>
-            <a:endParaRPr lang="zh-CN" altLang="en-US" sz="2800" dirty="0">
-              <a:solidFill>
-                <a:schemeClr val="dk1"/>
-              </a:solidFill>
-              <a:ea typeface="微软雅黑" panose="020B0503020204020204" pitchFamily="34" charset="-122"/>
-            </a:endParaRPr>
           </a:p>
         </p:txBody>
       </p:sp>
